--- a/Node-Archi.pptx
+++ b/Node-Archi.pptx
@@ -293,7 +293,7 @@
           <a:p>
             <a:fld id="{20EA5F0D-C1DC-412F-A146-DDB3A74B588F}" type="datetimeFigureOut">
               <a:rPr lang="en-US"/>
-              <a:t>5/23/2022</a:t>
+              <a:t>9/8/2022</a:t>
             </a:fld>
             <a:endParaRPr/>
           </a:p>
@@ -486,7 +486,7 @@
           <a:p>
             <a:fld id="{A8CDE508-72C8-4AB5-AA9C-1584D31690E0}" type="datetimeFigureOut">
               <a:rPr lang="en-US"/>
-              <a:t>5/23/2022</a:t>
+              <a:t>9/8/2022</a:t>
             </a:fld>
             <a:endParaRPr/>
           </a:p>
@@ -1520,7 +1520,7 @@
           <a:p>
             <a:fld id="{9E583DDF-CA54-461A-A486-592D2374C532}" type="datetimeFigureOut">
               <a:rPr lang="en-US"/>
-              <a:t>5/23/2022</a:t>
+              <a:t>9/8/2022</a:t>
             </a:fld>
             <a:endParaRPr/>
           </a:p>
@@ -1715,7 +1715,7 @@
           <a:p>
             <a:fld id="{9E583DDF-CA54-461A-A486-592D2374C532}" type="datetimeFigureOut">
               <a:rPr lang="en-US"/>
-              <a:t>5/23/2022</a:t>
+              <a:t>9/8/2022</a:t>
             </a:fld>
             <a:endParaRPr/>
           </a:p>
@@ -1935,7 +1935,7 @@
           <a:p>
             <a:fld id="{9E583DDF-CA54-461A-A486-592D2374C532}" type="datetimeFigureOut">
               <a:rPr lang="en-US"/>
-              <a:t>5/23/2022</a:t>
+              <a:t>9/8/2022</a:t>
             </a:fld>
             <a:endParaRPr/>
           </a:p>
@@ -2213,7 +2213,7 @@
           <a:p>
             <a:fld id="{9E583DDF-CA54-461A-A486-592D2374C532}" type="datetimeFigureOut">
               <a:rPr lang="en-US"/>
-              <a:t>5/23/2022</a:t>
+              <a:t>9/8/2022</a:t>
             </a:fld>
             <a:endParaRPr/>
           </a:p>
@@ -2518,7 +2518,7 @@
           <a:p>
             <a:fld id="{1DDA72D1-64D5-4552-ACDD-1CCE5F7F800D}" type="datetimeFigureOut">
               <a:rPr lang="en-US"/>
-              <a:t>5/23/2022</a:t>
+              <a:t>9/8/2022</a:t>
             </a:fld>
             <a:endParaRPr/>
           </a:p>
@@ -2973,7 +2973,7 @@
           <a:p>
             <a:fld id="{9E583DDF-CA54-461A-A486-592D2374C532}" type="datetimeFigureOut">
               <a:rPr lang="en-US"/>
-              <a:t>5/23/2022</a:t>
+              <a:t>9/8/2022</a:t>
             </a:fld>
             <a:endParaRPr/>
           </a:p>
@@ -3106,7 +3106,7 @@
           <a:p>
             <a:fld id="{9E583DDF-CA54-461A-A486-592D2374C532}" type="datetimeFigureOut">
               <a:rPr lang="en-US"/>
-              <a:t>5/23/2022</a:t>
+              <a:t>9/8/2022</a:t>
             </a:fld>
             <a:endParaRPr/>
           </a:p>
@@ -3216,7 +3216,7 @@
           <a:p>
             <a:fld id="{9E583DDF-CA54-461A-A486-592D2374C532}" type="datetimeFigureOut">
               <a:rPr lang="en-US"/>
-              <a:t>5/23/2022</a:t>
+              <a:t>9/8/2022</a:t>
             </a:fld>
             <a:endParaRPr/>
           </a:p>
@@ -3523,7 +3523,7 @@
           <a:p>
             <a:fld id="{9E583DDF-CA54-461A-A486-592D2374C532}" type="datetimeFigureOut">
               <a:rPr lang="en-US"/>
-              <a:t>5/23/2022</a:t>
+              <a:t>9/8/2022</a:t>
             </a:fld>
             <a:endParaRPr/>
           </a:p>
@@ -3843,7 +3843,7 @@
             <a:fld id="{03F41C87-7AD9-4845-A077-840E4A0F3F06}" type="datetimeFigureOut">
               <a:rPr lang="en-US"/>
               <a:pPr/>
-              <a:t>5/23/2022</a:t>
+              <a:t>9/8/2022</a:t>
             </a:fld>
             <a:endParaRPr/>
           </a:p>
@@ -4468,7 +4468,7 @@
             <a:fld id="{9E583DDF-CA54-461A-A486-592D2374C532}" type="datetimeFigureOut">
               <a:rPr lang="en-US" smtClean="0"/>
               <a:pPr/>
-              <a:t>5/23/2022</a:t>
+              <a:t>9/8/2022</a:t>
             </a:fld>
             <a:endParaRPr lang="en-US"/>
           </a:p>
@@ -9526,7 +9526,7 @@
         </p:blipFill>
         <p:spPr>
           <a:xfrm>
-            <a:off x="45373" y="0"/>
+            <a:off x="168675" y="1322774"/>
             <a:ext cx="12101253" cy="8409839"/>
           </a:xfrm>
         </p:spPr>
